--- a/documents/使用方法.pptx
+++ b/documents/使用方法.pptx
@@ -316,7 +316,7 @@
           <a:p>
             <a:fld id="{32F77FF6-819B-4E59-96F0-080C904F55A3}" type="datetimeFigureOut">
               <a:rPr kumimoji="1" lang="ja-JP" altLang="en-US" smtClean="0"/>
-              <a:t>2025/8/12</a:t>
+              <a:t>2025/9/27</a:t>
             </a:fld>
             <a:endParaRPr kumimoji="1" lang="ja-JP" altLang="en-US"/>
           </a:p>
@@ -546,7 +546,7 @@
           <a:p>
             <a:fld id="{32F77FF6-819B-4E59-96F0-080C904F55A3}" type="datetimeFigureOut">
               <a:rPr kumimoji="1" lang="ja-JP" altLang="en-US" smtClean="0"/>
-              <a:t>2025/8/12</a:t>
+              <a:t>2025/9/27</a:t>
             </a:fld>
             <a:endParaRPr kumimoji="1" lang="ja-JP" altLang="en-US"/>
           </a:p>
@@ -786,7 +786,7 @@
           <a:p>
             <a:fld id="{32F77FF6-819B-4E59-96F0-080C904F55A3}" type="datetimeFigureOut">
               <a:rPr kumimoji="1" lang="ja-JP" altLang="en-US" smtClean="0"/>
-              <a:t>2025/8/12</a:t>
+              <a:t>2025/9/27</a:t>
             </a:fld>
             <a:endParaRPr kumimoji="1" lang="ja-JP" altLang="en-US"/>
           </a:p>
@@ -1016,7 +1016,7 @@
           <a:p>
             <a:fld id="{32F77FF6-819B-4E59-96F0-080C904F55A3}" type="datetimeFigureOut">
               <a:rPr kumimoji="1" lang="ja-JP" altLang="en-US" smtClean="0"/>
-              <a:t>2025/8/12</a:t>
+              <a:t>2025/9/27</a:t>
             </a:fld>
             <a:endParaRPr kumimoji="1" lang="ja-JP" altLang="en-US"/>
           </a:p>
@@ -1291,7 +1291,7 @@
           <a:p>
             <a:fld id="{32F77FF6-819B-4E59-96F0-080C904F55A3}" type="datetimeFigureOut">
               <a:rPr kumimoji="1" lang="ja-JP" altLang="en-US" smtClean="0"/>
-              <a:t>2025/8/12</a:t>
+              <a:t>2025/9/27</a:t>
             </a:fld>
             <a:endParaRPr kumimoji="1" lang="ja-JP" altLang="en-US"/>
           </a:p>
@@ -1620,7 +1620,7 @@
           <a:p>
             <a:fld id="{32F77FF6-819B-4E59-96F0-080C904F55A3}" type="datetimeFigureOut">
               <a:rPr kumimoji="1" lang="ja-JP" altLang="en-US" smtClean="0"/>
-              <a:t>2025/8/12</a:t>
+              <a:t>2025/9/27</a:t>
             </a:fld>
             <a:endParaRPr kumimoji="1" lang="ja-JP" altLang="en-US"/>
           </a:p>
@@ -2096,7 +2096,7 @@
           <a:p>
             <a:fld id="{32F77FF6-819B-4E59-96F0-080C904F55A3}" type="datetimeFigureOut">
               <a:rPr kumimoji="1" lang="ja-JP" altLang="en-US" smtClean="0"/>
-              <a:t>2025/8/12</a:t>
+              <a:t>2025/9/27</a:t>
             </a:fld>
             <a:endParaRPr kumimoji="1" lang="ja-JP" altLang="en-US"/>
           </a:p>
@@ -2237,7 +2237,7 @@
           <a:p>
             <a:fld id="{32F77FF6-819B-4E59-96F0-080C904F55A3}" type="datetimeFigureOut">
               <a:rPr kumimoji="1" lang="ja-JP" altLang="en-US" smtClean="0"/>
-              <a:t>2025/8/12</a:t>
+              <a:t>2025/9/27</a:t>
             </a:fld>
             <a:endParaRPr kumimoji="1" lang="ja-JP" altLang="en-US"/>
           </a:p>
@@ -2350,7 +2350,7 @@
           <a:p>
             <a:fld id="{32F77FF6-819B-4E59-96F0-080C904F55A3}" type="datetimeFigureOut">
               <a:rPr kumimoji="1" lang="ja-JP" altLang="en-US" smtClean="0"/>
-              <a:t>2025/8/12</a:t>
+              <a:t>2025/9/27</a:t>
             </a:fld>
             <a:endParaRPr kumimoji="1" lang="ja-JP" altLang="en-US"/>
           </a:p>
@@ -2693,7 +2693,7 @@
           <a:p>
             <a:fld id="{32F77FF6-819B-4E59-96F0-080C904F55A3}" type="datetimeFigureOut">
               <a:rPr kumimoji="1" lang="ja-JP" altLang="en-US" smtClean="0"/>
-              <a:t>2025/8/12</a:t>
+              <a:t>2025/9/27</a:t>
             </a:fld>
             <a:endParaRPr kumimoji="1" lang="ja-JP" altLang="en-US"/>
           </a:p>
@@ -2981,7 +2981,7 @@
           <a:p>
             <a:fld id="{32F77FF6-819B-4E59-96F0-080C904F55A3}" type="datetimeFigureOut">
               <a:rPr kumimoji="1" lang="ja-JP" altLang="en-US" smtClean="0"/>
-              <a:t>2025/8/12</a:t>
+              <a:t>2025/9/27</a:t>
             </a:fld>
             <a:endParaRPr kumimoji="1" lang="ja-JP" altLang="en-US"/>
           </a:p>
@@ -3254,7 +3254,7 @@
           <a:p>
             <a:fld id="{32F77FF6-819B-4E59-96F0-080C904F55A3}" type="datetimeFigureOut">
               <a:rPr kumimoji="1" lang="ja-JP" altLang="en-US" smtClean="0"/>
-              <a:t>2025/8/12</a:t>
+              <a:t>2025/9/27</a:t>
             </a:fld>
             <a:endParaRPr kumimoji="1" lang="ja-JP" altLang="en-US"/>
           </a:p>
